--- a/인터페이스 가이드.pptx
+++ b/인터페이스 가이드.pptx
@@ -105,6 +105,11 @@
       </a:defRPr>
     </a:lvl9pPr>
   </p:defaultTextStyle>
+  <p:extLst>
+    <p:ext uri="{EFAFB233-063F-42B5-8137-9DF3F51BA10A}">
+      <p15:sldGuideLst xmlns:p15="http://schemas.microsoft.com/office/powerpoint/2012/main"/>
+    </p:ext>
+  </p:extLst>
 </p:presentation>
 </file>
 
@@ -239,7 +244,7 @@
           <a:p>
             <a:fld id="{A0D8F5D2-43A0-4005-9B8E-A52263F5167F}" type="datetimeFigureOut">
               <a:rPr lang="ko-KR" altLang="en-US" smtClean="0"/>
-              <a:t>2020-08-16</a:t>
+              <a:t>2020-08-31</a:t>
             </a:fld>
             <a:endParaRPr lang="ko-KR" altLang="en-US"/>
           </a:p>
@@ -409,7 +414,7 @@
           <a:p>
             <a:fld id="{A0D8F5D2-43A0-4005-9B8E-A52263F5167F}" type="datetimeFigureOut">
               <a:rPr lang="ko-KR" altLang="en-US" smtClean="0"/>
-              <a:t>2020-08-16</a:t>
+              <a:t>2020-08-31</a:t>
             </a:fld>
             <a:endParaRPr lang="ko-KR" altLang="en-US"/>
           </a:p>
@@ -589,7 +594,7 @@
           <a:p>
             <a:fld id="{A0D8F5D2-43A0-4005-9B8E-A52263F5167F}" type="datetimeFigureOut">
               <a:rPr lang="ko-KR" altLang="en-US" smtClean="0"/>
-              <a:t>2020-08-16</a:t>
+              <a:t>2020-08-31</a:t>
             </a:fld>
             <a:endParaRPr lang="ko-KR" altLang="en-US"/>
           </a:p>
@@ -759,7 +764,7 @@
           <a:p>
             <a:fld id="{A0D8F5D2-43A0-4005-9B8E-A52263F5167F}" type="datetimeFigureOut">
               <a:rPr lang="ko-KR" altLang="en-US" smtClean="0"/>
-              <a:t>2020-08-16</a:t>
+              <a:t>2020-08-31</a:t>
             </a:fld>
             <a:endParaRPr lang="ko-KR" altLang="en-US"/>
           </a:p>
@@ -1005,7 +1010,7 @@
           <a:p>
             <a:fld id="{A0D8F5D2-43A0-4005-9B8E-A52263F5167F}" type="datetimeFigureOut">
               <a:rPr lang="ko-KR" altLang="en-US" smtClean="0"/>
-              <a:t>2020-08-16</a:t>
+              <a:t>2020-08-31</a:t>
             </a:fld>
             <a:endParaRPr lang="ko-KR" altLang="en-US"/>
           </a:p>
@@ -1237,7 +1242,7 @@
           <a:p>
             <a:fld id="{A0D8F5D2-43A0-4005-9B8E-A52263F5167F}" type="datetimeFigureOut">
               <a:rPr lang="ko-KR" altLang="en-US" smtClean="0"/>
-              <a:t>2020-08-16</a:t>
+              <a:t>2020-08-31</a:t>
             </a:fld>
             <a:endParaRPr lang="ko-KR" altLang="en-US"/>
           </a:p>
@@ -1604,7 +1609,7 @@
           <a:p>
             <a:fld id="{A0D8F5D2-43A0-4005-9B8E-A52263F5167F}" type="datetimeFigureOut">
               <a:rPr lang="ko-KR" altLang="en-US" smtClean="0"/>
-              <a:t>2020-08-16</a:t>
+              <a:t>2020-08-31</a:t>
             </a:fld>
             <a:endParaRPr lang="ko-KR" altLang="en-US"/>
           </a:p>
@@ -1722,7 +1727,7 @@
           <a:p>
             <a:fld id="{A0D8F5D2-43A0-4005-9B8E-A52263F5167F}" type="datetimeFigureOut">
               <a:rPr lang="ko-KR" altLang="en-US" smtClean="0"/>
-              <a:t>2020-08-16</a:t>
+              <a:t>2020-08-31</a:t>
             </a:fld>
             <a:endParaRPr lang="ko-KR" altLang="en-US"/>
           </a:p>
@@ -1817,7 +1822,7 @@
           <a:p>
             <a:fld id="{A0D8F5D2-43A0-4005-9B8E-A52263F5167F}" type="datetimeFigureOut">
               <a:rPr lang="ko-KR" altLang="en-US" smtClean="0"/>
-              <a:t>2020-08-16</a:t>
+              <a:t>2020-08-31</a:t>
             </a:fld>
             <a:endParaRPr lang="ko-KR" altLang="en-US"/>
           </a:p>
@@ -2094,7 +2099,7 @@
           <a:p>
             <a:fld id="{A0D8F5D2-43A0-4005-9B8E-A52263F5167F}" type="datetimeFigureOut">
               <a:rPr lang="ko-KR" altLang="en-US" smtClean="0"/>
-              <a:t>2020-08-16</a:t>
+              <a:t>2020-08-31</a:t>
             </a:fld>
             <a:endParaRPr lang="ko-KR" altLang="en-US"/>
           </a:p>
@@ -2347,7 +2352,7 @@
           <a:p>
             <a:fld id="{A0D8F5D2-43A0-4005-9B8E-A52263F5167F}" type="datetimeFigureOut">
               <a:rPr lang="ko-KR" altLang="en-US" smtClean="0"/>
-              <a:t>2020-08-16</a:t>
+              <a:t>2020-08-31</a:t>
             </a:fld>
             <a:endParaRPr lang="ko-KR" altLang="en-US"/>
           </a:p>
@@ -2560,7 +2565,7 @@
           <a:p>
             <a:fld id="{A0D8F5D2-43A0-4005-9B8E-A52263F5167F}" type="datetimeFigureOut">
               <a:rPr lang="ko-KR" altLang="en-US" smtClean="0"/>
-              <a:t>2020-08-16</a:t>
+              <a:t>2020-08-31</a:t>
             </a:fld>
             <a:endParaRPr lang="ko-KR" altLang="en-US"/>
           </a:p>
@@ -3033,11 +3038,11 @@
           <a:p>
             <a:r>
               <a:rPr lang="en-US" altLang="ko-KR" dirty="0" smtClean="0"/>
-              <a:t>JSON </a:t>
+              <a:t>Java Script </a:t>
             </a:r>
             <a:r>
               <a:rPr lang="ko-KR" altLang="en-US" dirty="0" smtClean="0"/>
-              <a:t>형태</a:t>
+              <a:t>객체 배열 형태 활용</a:t>
             </a:r>
             <a:endParaRPr lang="en-US" altLang="ko-KR" dirty="0" smtClean="0"/>
           </a:p>
@@ -3046,7 +3051,6 @@
               <a:rPr lang="en-US" altLang="ko-KR" dirty="0" smtClean="0"/>
               <a:t>{</a:t>
             </a:r>
-            <a:endParaRPr lang="en-US" altLang="ko-KR" dirty="0"/>
           </a:p>
           <a:p>
             <a:r>
@@ -3087,7 +3091,11 @@
           <a:p>
             <a:r>
               <a:rPr lang="en-US" altLang="ko-KR" dirty="0" smtClean="0"/>
-              <a:t>    array </a:t>
+              <a:t>    </a:t>
+            </a:r>
+            <a:r>
+              <a:rPr lang="en-US" altLang="ko-KR" dirty="0" smtClean="0"/>
+              <a:t>data </a:t>
             </a:r>
             <a:r>
               <a:rPr lang="en-US" altLang="ko-KR" dirty="0"/>
@@ -3195,11 +3203,15 @@
             </a:r>
             <a:r>
               <a:rPr lang="en-US" altLang="ko-KR" sz="4400" dirty="0" smtClean="0"/>
-              <a:t>1 : </a:t>
+              <a:t>1 </a:t>
+            </a:r>
+            <a:r>
+              <a:rPr lang="en-US" altLang="ko-KR" sz="4400" dirty="0" smtClean="0"/>
+              <a:t>: Quality</a:t>
             </a:r>
             <a:r>
               <a:rPr lang="ko-KR" altLang="en-US" sz="4400" dirty="0" smtClean="0"/>
-              <a:t>퀄리티 </a:t>
+              <a:t> </a:t>
             </a:r>
             <a:r>
               <a:rPr lang="ko-KR" altLang="en-US" sz="4400" dirty="0" err="1" smtClean="0"/>
@@ -3282,7 +3294,7 @@
         <p:spPr>
           <a:xfrm>
             <a:off x="6688668" y="1985138"/>
-            <a:ext cx="4995333" cy="3970318"/>
+            <a:ext cx="4995333" cy="3139321"/>
           </a:xfrm>
           <a:prstGeom prst="rect">
             <a:avLst/>
@@ -3296,27 +3308,22 @@
           <a:lstStyle/>
           <a:p>
             <a:r>
-              <a:rPr lang="ko-KR" altLang="en-US" smtClean="0"/>
-              <a:t>시간이 남으면 할 예정</a:t>
-            </a:r>
-            <a:endParaRPr lang="en-US" altLang="ko-KR" dirty="0" smtClean="0"/>
-          </a:p>
-          <a:p>
+              <a:rPr lang="ko-KR" altLang="en-US" dirty="0" smtClean="0"/>
+              <a:t>데이터 형태</a:t>
+            </a:r>
+            <a:r>
+              <a:rPr lang="en-US" altLang="ko-KR" dirty="0"/>
+              <a:t> </a:t>
+            </a:r>
+            <a:r>
+              <a:rPr lang="en-US" altLang="ko-KR" dirty="0" smtClean="0"/>
+              <a:t>:</a:t>
+            </a:r>
             <a:endParaRPr lang="en-US" altLang="ko-KR" dirty="0"/>
           </a:p>
           <a:p>
-            <a:endParaRPr lang="en-US" altLang="ko-KR" dirty="0" smtClean="0"/>
-          </a:p>
-          <a:p>
-            <a:r>
-              <a:rPr lang="en-US" altLang="ko-KR" dirty="0" smtClean="0"/>
-              <a:t>JSON</a:t>
-            </a:r>
-            <a:endParaRPr lang="en-US" altLang="ko-KR" dirty="0"/>
-          </a:p>
-          <a:p>
-            <a:r>
-              <a:rPr lang="en-US" altLang="ko-KR" dirty="0" smtClean="0"/>
+            <a:r>
+              <a:rPr lang="en-US" altLang="ko-KR" dirty="0"/>
               <a:t>{</a:t>
             </a:r>
             <a:endParaRPr lang="en-US" altLang="ko-KR" dirty="0"/>
@@ -3336,8 +3343,13 @@
             </a:r>
             <a:r>
               <a:rPr lang="en-US" altLang="ko-KR" dirty="0"/>
-              <a:t>: "quality",</a:t>
-            </a:r>
+              <a:t>: </a:t>
+            </a:r>
+            <a:r>
+              <a:rPr lang="en-US" altLang="ko-KR" dirty="0" smtClean="0"/>
+              <a:t>“pH”,</a:t>
+            </a:r>
+            <a:endParaRPr lang="en-US" altLang="ko-KR" dirty="0"/>
           </a:p>
           <a:p>
             <a:r>
@@ -3354,13 +3366,22 @@
             </a:r>
             <a:r>
               <a:rPr lang="en-US" altLang="ko-KR" dirty="0"/>
-              <a:t>: "count",</a:t>
-            </a:r>
-          </a:p>
-          <a:p>
+              <a:t>: </a:t>
+            </a:r>
             <a:r>
               <a:rPr lang="en-US" altLang="ko-KR" dirty="0" smtClean="0"/>
-              <a:t>    array </a:t>
+              <a:t>“fixed acidity",</a:t>
+            </a:r>
+            <a:endParaRPr lang="en-US" altLang="ko-KR" dirty="0"/>
+          </a:p>
+          <a:p>
+            <a:r>
+              <a:rPr lang="en-US" altLang="ko-KR" dirty="0" smtClean="0"/>
+              <a:t>    </a:t>
+            </a:r>
+            <a:r>
+              <a:rPr lang="en-US" altLang="ko-KR" dirty="0" smtClean="0"/>
+              <a:t>data </a:t>
             </a:r>
             <a:r>
               <a:rPr lang="en-US" altLang="ko-KR" dirty="0"/>
@@ -3370,50 +3391,67 @@
           <a:p>
             <a:r>
               <a:rPr lang="en-US" altLang="ko-KR" dirty="0" smtClean="0"/>
-              <a:t>        {</a:t>
+              <a:t>        </a:t>
             </a:r>
             <a:r>
               <a:rPr lang="en-US" altLang="ko-KR" dirty="0"/>
-              <a:t>quality : 3, count : 4},</a:t>
-            </a:r>
-          </a:p>
-          <a:p>
+              <a:t>[</a:t>
+            </a:r>
             <a:r>
               <a:rPr lang="en-US" altLang="ko-KR" dirty="0" smtClean="0"/>
-              <a:t>        {</a:t>
-            </a:r>
-            <a:r>
-              <a:rPr lang="en-US" altLang="ko-KR" dirty="0"/>
-              <a:t>quality : 3, count : 4},</a:t>
-            </a:r>
-          </a:p>
-          <a:p>
+              <a:t>3.14, 4.8</a:t>
+            </a:r>
             <a:r>
               <a:rPr lang="en-US" altLang="ko-KR" dirty="0" smtClean="0"/>
-              <a:t>                   ...</a:t>
+              <a:t>],</a:t>
+            </a:r>
+          </a:p>
+          <a:p>
+            <a:r>
+              <a:rPr lang="en-US" altLang="ko-KR" dirty="0" smtClean="0"/>
+              <a:t>        [3.3, 4.9],</a:t>
+            </a:r>
+            <a:r>
+              <a:rPr lang="en-US" altLang="ko-KR" dirty="0" smtClean="0"/>
+              <a:t> </a:t>
+            </a:r>
+          </a:p>
+          <a:p>
+            <a:r>
+              <a:rPr lang="en-US" altLang="ko-KR" dirty="0" smtClean="0"/>
+              <a:t>          ...</a:t>
             </a:r>
             <a:endParaRPr lang="en-US" altLang="ko-KR" dirty="0"/>
           </a:p>
           <a:p>
             <a:r>
               <a:rPr lang="en-US" altLang="ko-KR" dirty="0" smtClean="0"/>
-              <a:t>        {</a:t>
-            </a:r>
-            <a:r>
-              <a:rPr lang="en-US" altLang="ko-KR" dirty="0"/>
-              <a:t>quality : 3, count : 4}</a:t>
-            </a:r>
-          </a:p>
-          <a:p>
+              <a:t>    </a:t>
+            </a:r>
             <a:r>
               <a:rPr lang="en-US" altLang="ko-KR" dirty="0" smtClean="0"/>
-              <a:t>    ]</a:t>
+              <a:t>    </a:t>
+            </a:r>
+            <a:r>
+              <a:rPr lang="en-US" altLang="ko-KR" dirty="0" smtClean="0"/>
+              <a:t>[5.2, 4.3],</a:t>
             </a:r>
             <a:endParaRPr lang="en-US" altLang="ko-KR" dirty="0"/>
           </a:p>
           <a:p>
             <a:r>
-              <a:rPr lang="en-US" altLang="ko-KR" dirty="0"/>
+              <a:rPr lang="en-US" altLang="ko-KR" dirty="0" smtClean="0"/>
+              <a:t>    </a:t>
+            </a:r>
+            <a:r>
+              <a:rPr lang="en-US" altLang="ko-KR" dirty="0" smtClean="0"/>
+              <a:t>]</a:t>
+            </a:r>
+            <a:endParaRPr lang="en-US" altLang="ko-KR" dirty="0"/>
+          </a:p>
+          <a:p>
+            <a:r>
+              <a:rPr lang="en-US" altLang="ko-KR" dirty="0" smtClean="0"/>
               <a:t>}</a:t>
             </a:r>
             <a:endParaRPr lang="ko-KR" altLang="en-US" dirty="0"/>
@@ -3476,7 +3514,11 @@
             </a:r>
             <a:r>
               <a:rPr lang="en-US" altLang="ko-KR" sz="4400" dirty="0" smtClean="0"/>
-              <a:t>Fixed acidity</a:t>
+              <a:t>fixed </a:t>
+            </a:r>
+            <a:r>
+              <a:rPr lang="en-US" altLang="ko-KR" sz="4400" dirty="0" smtClean="0"/>
+              <a:t>acidity</a:t>
             </a:r>
             <a:r>
               <a:rPr lang="ko-KR" altLang="en-US" sz="4400" dirty="0" smtClean="0"/>
